--- a/Share/每周命题游戏设计/葛美玲/没有圆形的世界-沈-葛.pptx
+++ b/Share/每周命题游戏设计/葛美玲/没有圆形的世界-沈-葛.pptx
@@ -5284,7 +5284,28 @@
                 <a:latin typeface="黑体-简" panose="02000000000000000000" charset="-122"/>
                 <a:ea typeface="黑体-简" panose="02000000000000000000" charset="-122"/>
               </a:rPr>
-              <a:t>移动一个单位</a:t>
+              <a:t>移动</a:t>
+            </a:r>
+            <a:r>
+              <a:rPr lang="en-US" altLang="zh-CN">
+                <a:latin typeface="黑体-简" panose="02000000000000000000" charset="-122"/>
+                <a:ea typeface="黑体-简" panose="02000000000000000000" charset="-122"/>
+              </a:rPr>
+              <a:t>5</a:t>
+            </a:r>
+            <a:r>
+              <a:rPr lang="zh-CN" altLang="en-US">
+                <a:latin typeface="黑体-简" panose="02000000000000000000" charset="-122"/>
+                <a:ea typeface="黑体-简" panose="02000000000000000000" charset="-122"/>
+              </a:rPr>
+              <a:t>个</a:t>
+            </a:r>
+            <a:r>
+              <a:rPr lang="zh-CN" altLang="en-US" dirty="0">
+                <a:latin typeface="黑体-简" panose="02000000000000000000" charset="-122"/>
+                <a:ea typeface="黑体-简" panose="02000000000000000000" charset="-122"/>
+              </a:rPr>
+              <a:t>单位</a:t>
             </a:r>
             <a:endParaRPr lang="en-US" altLang="zh-CN" dirty="0">
               <a:latin typeface="黑体-简" panose="02000000000000000000" charset="-122"/>
